--- a/Slides/Class 11.pptx
+++ b/Slides/Class 11.pptx
@@ -11741,6 +11741,7 @@
                       <a:solidFill>
                         <a:srgbClr val="FFFF00"/>
                       </a:solidFill>
+                      <a:bevel/>
                     </a:lnB>
                   </a:tcPr>
                 </a:tc>
@@ -11830,6 +11831,7 @@
                       <a:solidFill>
                         <a:srgbClr val="FFFF00"/>
                       </a:solidFill>
+                      <a:bevel/>
                     </a:lnB>
                   </a:tcPr>
                 </a:tc>
@@ -11902,6 +11904,7 @@
                       <a:solidFill>
                         <a:srgbClr val="FFFF00"/>
                       </a:solidFill>
+                      <a:bevel/>
                     </a:lnR>
                     <a:lnT w="38099" algn="ctr">
                       <a:solidFill>
@@ -12011,161 +12014,166 @@
                       <a:solidFill>
                         <a:srgbClr val="FFFF00"/>
                       </a:solidFill>
-                    </a:lnR>
-                    <a:lnT w="38099" algn="ctr">
-                      <a:solidFill>
-                        <a:srgbClr val="FFFF00"/>
-                      </a:solidFill>
-                    </a:lnT>
-                    <a:lnB w="38099" algn="ctr">
-                      <a:solidFill>
-                        <a:srgbClr val="FFFF00"/>
-                      </a:solidFill>
-                    </a:lnB>
-                  </a:tcPr>
-                </a:tc>
-                <a:tc>
-                  <a:txBody>
-                    <a:bodyPr/>
-                    <a:p>
-                      <a:pPr marL="0" lvl="0" indent="0" algn="l">
-                        <a:spcBef>
-                          <a:spcPts val="0"/>
-                        </a:spcBef>
-                        <a:spcAft>
-                          <a:spcPts val="0"/>
-                        </a:spcAft>
-                        <a:buNone/>
-                        <a:defRPr/>
-                      </a:pPr>
-                      <a:endParaRPr/>
-                    </a:p>
-                  </a:txBody>
-                  <a:tcPr marL="91424" marR="91424" marT="91424" marB="91424">
-                    <a:lnL w="38099" algn="ctr">
-                      <a:solidFill>
-                        <a:srgbClr val="FFFF00"/>
-                      </a:solidFill>
-                    </a:lnL>
-                    <a:lnR w="38099" algn="ctr">
-                      <a:solidFill>
-                        <a:srgbClr val="FFFF00"/>
-                      </a:solidFill>
-                    </a:lnR>
-                    <a:lnT w="38099" algn="ctr">
-                      <a:solidFill>
-                        <a:srgbClr val="FFFF00"/>
-                      </a:solidFill>
-                    </a:lnT>
-                    <a:lnB w="38099" algn="ctr">
-                      <a:solidFill>
-                        <a:srgbClr val="FFFF00"/>
-                      </a:solidFill>
-                    </a:lnB>
-                  </a:tcPr>
-                </a:tc>
-                <a:tc>
-                  <a:txBody>
-                    <a:bodyPr/>
-                    <a:p>
-                      <a:pPr marL="0" lvl="0" indent="0" algn="l">
-                        <a:spcBef>
-                          <a:spcPts val="0"/>
-                        </a:spcBef>
-                        <a:spcAft>
-                          <a:spcPts val="0"/>
-                        </a:spcAft>
-                        <a:buNone/>
-                        <a:defRPr/>
-                      </a:pPr>
-                      <a:endParaRPr/>
-                    </a:p>
-                  </a:txBody>
-                  <a:tcPr marL="91424" marR="91424" marT="91424" marB="91424">
-                    <a:lnL w="38099" algn="ctr">
-                      <a:solidFill>
-                        <a:srgbClr val="FFFF00"/>
-                      </a:solidFill>
-                    </a:lnL>
-                    <a:lnR w="38099" algn="ctr">
-                      <a:solidFill>
-                        <a:srgbClr val="FFFF00"/>
-                      </a:solidFill>
-                    </a:lnR>
-                    <a:lnT w="38099" algn="ctr">
-                      <a:solidFill>
-                        <a:srgbClr val="FFFF00"/>
-                      </a:solidFill>
-                    </a:lnT>
-                    <a:lnB w="38099" algn="ctr">
-                      <a:solidFill>
-                        <a:srgbClr val="FFFF00"/>
-                      </a:solidFill>
-                    </a:lnB>
-                  </a:tcPr>
-                </a:tc>
-                <a:tc>
-                  <a:txBody>
-                    <a:bodyPr/>
-                    <a:p>
-                      <a:pPr marL="0" lvl="0" indent="0" algn="l">
-                        <a:spcBef>
-                          <a:spcPts val="0"/>
-                        </a:spcBef>
-                        <a:spcAft>
-                          <a:spcPts val="0"/>
-                        </a:spcAft>
-                        <a:buNone/>
-                        <a:defRPr/>
-                      </a:pPr>
-                      <a:endParaRPr/>
-                    </a:p>
-                  </a:txBody>
-                  <a:tcPr marL="91424" marR="91424" marT="91424" marB="91424">
-                    <a:lnL w="38099" algn="ctr">
-                      <a:solidFill>
-                        <a:srgbClr val="FFFF00"/>
-                      </a:solidFill>
-                    </a:lnL>
-                    <a:lnR w="38099" algn="ctr">
-                      <a:solidFill>
-                        <a:srgbClr val="FFFF00"/>
-                      </a:solidFill>
-                    </a:lnR>
-                    <a:lnT w="38099" algn="ctr">
-                      <a:solidFill>
-                        <a:srgbClr val="FFFF00"/>
-                      </a:solidFill>
-                    </a:lnT>
-                    <a:lnB w="38099" algn="ctr">
-                      <a:solidFill>
-                        <a:srgbClr val="FFFF00"/>
-                      </a:solidFill>
-                    </a:lnB>
-                  </a:tcPr>
-                </a:tc>
-                <a:tc>
-                  <a:txBody>
-                    <a:bodyPr/>
-                    <a:p>
-                      <a:pPr marL="0" lvl="0" indent="0" algn="l">
-                        <a:spcBef>
-                          <a:spcPts val="0"/>
-                        </a:spcBef>
-                        <a:spcAft>
-                          <a:spcPts val="0"/>
-                        </a:spcAft>
-                        <a:buNone/>
-                        <a:defRPr/>
-                      </a:pPr>
-                      <a:endParaRPr/>
-                    </a:p>
-                  </a:txBody>
-                  <a:tcPr marL="91424" marR="91424" marT="91424" marB="91424">
-                    <a:lnL w="38099" algn="ctr">
-                      <a:solidFill>
-                        <a:srgbClr val="FFFF00"/>
-                      </a:solidFill>
+                      <a:bevel/>
+                    </a:lnR>
+                    <a:lnT w="38099" algn="ctr">
+                      <a:solidFill>
+                        <a:srgbClr val="FFFF00"/>
+                      </a:solidFill>
+                    </a:lnT>
+                    <a:lnB w="38099" algn="ctr">
+                      <a:solidFill>
+                        <a:srgbClr val="FFFF00"/>
+                      </a:solidFill>
+                    </a:lnB>
+                  </a:tcPr>
+                </a:tc>
+                <a:tc>
+                  <a:txBody>
+                    <a:bodyPr/>
+                    <a:p>
+                      <a:pPr marL="0" lvl="0" indent="0" algn="l">
+                        <a:spcBef>
+                          <a:spcPts val="0"/>
+                        </a:spcBef>
+                        <a:spcAft>
+                          <a:spcPts val="0"/>
+                        </a:spcAft>
+                        <a:buNone/>
+                        <a:defRPr/>
+                      </a:pPr>
+                      <a:endParaRPr/>
+                    </a:p>
+                  </a:txBody>
+                  <a:tcPr marL="91424" marR="91424" marT="91424" marB="91424">
+                    <a:lnL w="38099" algn="ctr">
+                      <a:solidFill>
+                        <a:srgbClr val="FFFF00"/>
+                      </a:solidFill>
+                    </a:lnL>
+                    <a:lnR w="38099" algn="ctr">
+                      <a:solidFill>
+                        <a:srgbClr val="FFFF00"/>
+                      </a:solidFill>
+                      <a:bevel/>
+                    </a:lnR>
+                    <a:lnT w="38099" algn="ctr">
+                      <a:solidFill>
+                        <a:srgbClr val="FFFF00"/>
+                      </a:solidFill>
+                    </a:lnT>
+                    <a:lnB w="38099" algn="ctr">
+                      <a:solidFill>
+                        <a:srgbClr val="FFFF00"/>
+                      </a:solidFill>
+                    </a:lnB>
+                  </a:tcPr>
+                </a:tc>
+                <a:tc>
+                  <a:txBody>
+                    <a:bodyPr/>
+                    <a:p>
+                      <a:pPr marL="0" lvl="0" indent="0" algn="l">
+                        <a:spcBef>
+                          <a:spcPts val="0"/>
+                        </a:spcBef>
+                        <a:spcAft>
+                          <a:spcPts val="0"/>
+                        </a:spcAft>
+                        <a:buNone/>
+                        <a:defRPr/>
+                      </a:pPr>
+                      <a:endParaRPr/>
+                    </a:p>
+                  </a:txBody>
+                  <a:tcPr marL="91424" marR="91424" marT="91424" marB="91424">
+                    <a:lnL w="38099" algn="ctr">
+                      <a:solidFill>
+                        <a:srgbClr val="FFFF00"/>
+                      </a:solidFill>
+                    </a:lnL>
+                    <a:lnR w="38099" algn="ctr">
+                      <a:solidFill>
+                        <a:srgbClr val="FFFF00"/>
+                      </a:solidFill>
+                      <a:bevel/>
+                    </a:lnR>
+                    <a:lnT w="38099" algn="ctr">
+                      <a:solidFill>
+                        <a:srgbClr val="FFFF00"/>
+                      </a:solidFill>
+                    </a:lnT>
+                    <a:lnB w="38099" algn="ctr">
+                      <a:solidFill>
+                        <a:srgbClr val="FFFF00"/>
+                      </a:solidFill>
+                    </a:lnB>
+                  </a:tcPr>
+                </a:tc>
+                <a:tc>
+                  <a:txBody>
+                    <a:bodyPr/>
+                    <a:p>
+                      <a:pPr marL="0" lvl="0" indent="0" algn="l">
+                        <a:spcBef>
+                          <a:spcPts val="0"/>
+                        </a:spcBef>
+                        <a:spcAft>
+                          <a:spcPts val="0"/>
+                        </a:spcAft>
+                        <a:buNone/>
+                        <a:defRPr/>
+                      </a:pPr>
+                      <a:endParaRPr/>
+                    </a:p>
+                  </a:txBody>
+                  <a:tcPr marL="91424" marR="91424" marT="91424" marB="91424">
+                    <a:lnL w="38099" algn="ctr">
+                      <a:solidFill>
+                        <a:srgbClr val="FFFF00"/>
+                      </a:solidFill>
+                      <a:bevel/>
+                    </a:lnL>
+                    <a:lnR w="38099" algn="ctr">
+                      <a:solidFill>
+                        <a:srgbClr val="FFFF00"/>
+                      </a:solidFill>
+                    </a:lnR>
+                    <a:lnT w="38099" algn="ctr">
+                      <a:solidFill>
+                        <a:srgbClr val="FFFF00"/>
+                      </a:solidFill>
+                    </a:lnT>
+                    <a:lnB w="38099" algn="ctr">
+                      <a:solidFill>
+                        <a:srgbClr val="FFFF00"/>
+                      </a:solidFill>
+                    </a:lnB>
+                  </a:tcPr>
+                </a:tc>
+                <a:tc>
+                  <a:txBody>
+                    <a:bodyPr/>
+                    <a:p>
+                      <a:pPr marL="0" lvl="0" indent="0" algn="l">
+                        <a:spcBef>
+                          <a:spcPts val="0"/>
+                        </a:spcBef>
+                        <a:spcAft>
+                          <a:spcPts val="0"/>
+                        </a:spcAft>
+                        <a:buNone/>
+                        <a:defRPr/>
+                      </a:pPr>
+                      <a:endParaRPr/>
+                    </a:p>
+                  </a:txBody>
+                  <a:tcPr marL="91424" marR="91424" marT="91424" marB="91424">
+                    <a:lnL w="38099" algn="ctr">
+                      <a:solidFill>
+                        <a:srgbClr val="FFFF00"/>
+                      </a:solidFill>
+                      <a:bevel/>
                     </a:lnL>
                     <a:lnR w="38099" algn="ctr">
                       <a:solidFill>
@@ -12223,241 +12231,248 @@
                       <a:solidFill>
                         <a:srgbClr val="FFFF00"/>
                       </a:solidFill>
-                    </a:lnB>
-                  </a:tcPr>
-                </a:tc>
-                <a:tc>
-                  <a:txBody>
-                    <a:bodyPr/>
-                    <a:p>
-                      <a:pPr marL="0" lvl="0" indent="0" algn="l">
-                        <a:spcBef>
-                          <a:spcPts val="0"/>
-                        </a:spcBef>
-                        <a:spcAft>
-                          <a:spcPts val="0"/>
-                        </a:spcAft>
-                        <a:buNone/>
-                        <a:defRPr/>
-                      </a:pPr>
-                      <a:endParaRPr/>
-                    </a:p>
-                  </a:txBody>
-                  <a:tcPr marL="91424" marR="91424" marT="91424" marB="91424">
-                    <a:lnL w="38099" algn="ctr">
-                      <a:solidFill>
-                        <a:srgbClr val="FFFF00"/>
-                      </a:solidFill>
-                    </a:lnL>
-                    <a:lnR w="38099" algn="ctr">
-                      <a:solidFill>
-                        <a:srgbClr val="FFFF00"/>
-                      </a:solidFill>
-                    </a:lnR>
-                    <a:lnT w="38099" algn="ctr">
-                      <a:solidFill>
-                        <a:srgbClr val="FFFF00"/>
-                      </a:solidFill>
-                    </a:lnT>
-                    <a:lnB w="38099" algn="ctr">
-                      <a:solidFill>
-                        <a:srgbClr val="FFFF00"/>
-                      </a:solidFill>
-                    </a:lnB>
-                  </a:tcPr>
-                </a:tc>
-                <a:tc>
-                  <a:txBody>
-                    <a:bodyPr/>
-                    <a:p>
-                      <a:pPr marL="0" lvl="0" indent="0" algn="l">
-                        <a:spcBef>
-                          <a:spcPts val="0"/>
-                        </a:spcBef>
-                        <a:spcAft>
-                          <a:spcPts val="0"/>
-                        </a:spcAft>
-                        <a:buNone/>
-                        <a:defRPr/>
-                      </a:pPr>
-                      <a:endParaRPr/>
-                    </a:p>
-                  </a:txBody>
-                  <a:tcPr marL="91424" marR="91424" marT="91424" marB="91424">
-                    <a:lnL w="38099" algn="ctr">
-                      <a:solidFill>
-                        <a:srgbClr val="FFFF00"/>
-                      </a:solidFill>
-                    </a:lnL>
-                    <a:lnR w="38099" algn="ctr">
-                      <a:solidFill>
-                        <a:srgbClr val="FFFF00"/>
-                      </a:solidFill>
-                    </a:lnR>
-                    <a:lnT w="38099" algn="ctr">
-                      <a:solidFill>
-                        <a:srgbClr val="FFFF00"/>
-                      </a:solidFill>
-                    </a:lnT>
-                    <a:lnB w="38099" algn="ctr">
-                      <a:solidFill>
-                        <a:srgbClr val="FFFF00"/>
-                      </a:solidFill>
-                    </a:lnB>
-                  </a:tcPr>
-                </a:tc>
-                <a:tc>
-                  <a:txBody>
-                    <a:bodyPr/>
-                    <a:p>
-                      <a:pPr marL="0" lvl="0" indent="0" algn="l">
-                        <a:spcBef>
-                          <a:spcPts val="0"/>
-                        </a:spcBef>
-                        <a:spcAft>
-                          <a:spcPts val="0"/>
-                        </a:spcAft>
-                        <a:buNone/>
-                        <a:defRPr/>
-                      </a:pPr>
-                      <a:endParaRPr/>
-                    </a:p>
-                  </a:txBody>
-                  <a:tcPr marL="91424" marR="91424" marT="91424" marB="91424">
-                    <a:lnL w="38099" algn="ctr">
-                      <a:solidFill>
-                        <a:srgbClr val="FFFF00"/>
-                      </a:solidFill>
-                    </a:lnL>
-                    <a:lnR w="38099" algn="ctr">
-                      <a:solidFill>
-                        <a:srgbClr val="FFFF00"/>
-                      </a:solidFill>
-                    </a:lnR>
-                    <a:lnT w="38099" algn="ctr">
-                      <a:solidFill>
-                        <a:srgbClr val="FFFF00"/>
-                      </a:solidFill>
-                    </a:lnT>
-                    <a:lnB w="38099" algn="ctr">
-                      <a:solidFill>
-                        <a:srgbClr val="FFFF00"/>
-                      </a:solidFill>
-                    </a:lnB>
-                  </a:tcPr>
-                </a:tc>
-                <a:tc>
-                  <a:txBody>
-                    <a:bodyPr/>
-                    <a:p>
-                      <a:pPr marL="0" lvl="0" indent="0" algn="l">
-                        <a:spcBef>
-                          <a:spcPts val="0"/>
-                        </a:spcBef>
-                        <a:spcAft>
-                          <a:spcPts val="0"/>
-                        </a:spcAft>
-                        <a:buNone/>
-                        <a:defRPr/>
-                      </a:pPr>
-                      <a:endParaRPr/>
-                    </a:p>
-                  </a:txBody>
-                  <a:tcPr marL="91424" marR="91424" marT="91424" marB="91424">
-                    <a:lnL w="38099" algn="ctr">
-                      <a:solidFill>
-                        <a:srgbClr val="FFFF00"/>
-                      </a:solidFill>
-                    </a:lnL>
-                    <a:lnR w="38099" algn="ctr">
-                      <a:solidFill>
-                        <a:srgbClr val="FFFF00"/>
-                      </a:solidFill>
-                    </a:lnR>
-                    <a:lnT w="38099" algn="ctr">
-                      <a:solidFill>
-                        <a:srgbClr val="FFFF00"/>
-                      </a:solidFill>
-                    </a:lnT>
-                    <a:lnB w="38099" algn="ctr">
-                      <a:solidFill>
-                        <a:srgbClr val="FFFF00"/>
-                      </a:solidFill>
-                    </a:lnB>
-                  </a:tcPr>
-                </a:tc>
-                <a:tc>
-                  <a:txBody>
-                    <a:bodyPr/>
-                    <a:p>
-                      <a:pPr marL="0" lvl="0" indent="0" algn="l">
-                        <a:spcBef>
-                          <a:spcPts val="0"/>
-                        </a:spcBef>
-                        <a:spcAft>
-                          <a:spcPts val="0"/>
-                        </a:spcAft>
-                        <a:buNone/>
-                        <a:defRPr/>
-                      </a:pPr>
-                      <a:endParaRPr/>
-                    </a:p>
-                  </a:txBody>
-                  <a:tcPr marL="91424" marR="91424" marT="91424" marB="91424">
-                    <a:lnL w="38099" algn="ctr">
-                      <a:solidFill>
-                        <a:srgbClr val="FFFF00"/>
-                      </a:solidFill>
-                    </a:lnL>
-                    <a:lnR w="38099" algn="ctr">
-                      <a:solidFill>
-                        <a:srgbClr val="FFFF00"/>
-                      </a:solidFill>
-                    </a:lnR>
-                    <a:lnT w="38099" algn="ctr">
-                      <a:solidFill>
-                        <a:srgbClr val="FFFF00"/>
-                      </a:solidFill>
-                    </a:lnT>
-                    <a:lnB w="38099" algn="ctr">
-                      <a:solidFill>
-                        <a:srgbClr val="FFFF00"/>
-                      </a:solidFill>
-                    </a:lnB>
-                  </a:tcPr>
-                </a:tc>
-                <a:tc>
-                  <a:txBody>
-                    <a:bodyPr/>
-                    <a:p>
-                      <a:pPr marL="0" lvl="0" indent="0" algn="l">
-                        <a:spcBef>
-                          <a:spcPts val="0"/>
-                        </a:spcBef>
-                        <a:spcAft>
-                          <a:spcPts val="0"/>
-                        </a:spcAft>
-                        <a:buNone/>
-                        <a:defRPr/>
-                      </a:pPr>
-                      <a:endParaRPr/>
-                    </a:p>
-                  </a:txBody>
-                  <a:tcPr marL="91424" marR="91424" marT="91424" marB="91424">
-                    <a:lnL w="38099" algn="ctr">
-                      <a:solidFill>
-                        <a:srgbClr val="FFFF00"/>
-                      </a:solidFill>
-                    </a:lnL>
-                    <a:lnR w="38099" algn="ctr">
-                      <a:solidFill>
-                        <a:srgbClr val="FFFF00"/>
-                      </a:solidFill>
-                    </a:lnR>
-                    <a:lnT w="38099" algn="ctr">
-                      <a:solidFill>
-                        <a:srgbClr val="FFFF00"/>
-                      </a:solidFill>
+                      <a:bevel/>
+                    </a:lnB>
+                  </a:tcPr>
+                </a:tc>
+                <a:tc>
+                  <a:txBody>
+                    <a:bodyPr/>
+                    <a:p>
+                      <a:pPr marL="0" lvl="0" indent="0" algn="l">
+                        <a:spcBef>
+                          <a:spcPts val="0"/>
+                        </a:spcBef>
+                        <a:spcAft>
+                          <a:spcPts val="0"/>
+                        </a:spcAft>
+                        <a:buNone/>
+                        <a:defRPr/>
+                      </a:pPr>
+                      <a:endParaRPr/>
+                    </a:p>
+                  </a:txBody>
+                  <a:tcPr marL="91424" marR="91424" marT="91424" marB="91424">
+                    <a:lnL w="38099" algn="ctr">
+                      <a:solidFill>
+                        <a:srgbClr val="FFFF00"/>
+                      </a:solidFill>
+                    </a:lnL>
+                    <a:lnR w="38099" algn="ctr">
+                      <a:solidFill>
+                        <a:srgbClr val="FFFF00"/>
+                      </a:solidFill>
+                    </a:lnR>
+                    <a:lnT w="38099" algn="ctr">
+                      <a:solidFill>
+                        <a:srgbClr val="FFFF00"/>
+                      </a:solidFill>
+                      <a:bevel/>
+                    </a:lnT>
+                    <a:lnB w="38099" algn="ctr">
+                      <a:solidFill>
+                        <a:srgbClr val="FFFF00"/>
+                      </a:solidFill>
+                    </a:lnB>
+                  </a:tcPr>
+                </a:tc>
+                <a:tc>
+                  <a:txBody>
+                    <a:bodyPr/>
+                    <a:p>
+                      <a:pPr marL="0" lvl="0" indent="0" algn="l">
+                        <a:spcBef>
+                          <a:spcPts val="0"/>
+                        </a:spcBef>
+                        <a:spcAft>
+                          <a:spcPts val="0"/>
+                        </a:spcAft>
+                        <a:buNone/>
+                        <a:defRPr/>
+                      </a:pPr>
+                      <a:endParaRPr/>
+                    </a:p>
+                  </a:txBody>
+                  <a:tcPr marL="91424" marR="91424" marT="91424" marB="91424">
+                    <a:lnL w="38099" algn="ctr">
+                      <a:solidFill>
+                        <a:srgbClr val="FFFF00"/>
+                      </a:solidFill>
+                    </a:lnL>
+                    <a:lnR w="38099" algn="ctr">
+                      <a:solidFill>
+                        <a:srgbClr val="FFFF00"/>
+                      </a:solidFill>
+                    </a:lnR>
+                    <a:lnT w="38099" algn="ctr">
+                      <a:solidFill>
+                        <a:srgbClr val="FFFF00"/>
+                      </a:solidFill>
+                    </a:lnT>
+                    <a:lnB w="38099" algn="ctr">
+                      <a:solidFill>
+                        <a:srgbClr val="FFFF00"/>
+                      </a:solidFill>
+                      <a:bevel/>
+                    </a:lnB>
+                  </a:tcPr>
+                </a:tc>
+                <a:tc>
+                  <a:txBody>
+                    <a:bodyPr/>
+                    <a:p>
+                      <a:pPr marL="0" lvl="0" indent="0" algn="l">
+                        <a:spcBef>
+                          <a:spcPts val="0"/>
+                        </a:spcBef>
+                        <a:spcAft>
+                          <a:spcPts val="0"/>
+                        </a:spcAft>
+                        <a:buNone/>
+                        <a:defRPr/>
+                      </a:pPr>
+                      <a:endParaRPr/>
+                    </a:p>
+                  </a:txBody>
+                  <a:tcPr marL="91424" marR="91424" marT="91424" marB="91424">
+                    <a:lnL w="38099" algn="ctr">
+                      <a:solidFill>
+                        <a:srgbClr val="FFFF00"/>
+                      </a:solidFill>
+                    </a:lnL>
+                    <a:lnR w="38099" algn="ctr">
+                      <a:solidFill>
+                        <a:srgbClr val="FFFF00"/>
+                      </a:solidFill>
+                      <a:bevel/>
+                    </a:lnR>
+                    <a:lnT w="38099" algn="ctr">
+                      <a:solidFill>
+                        <a:srgbClr val="FFFF00"/>
+                      </a:solidFill>
+                    </a:lnT>
+                    <a:lnB w="38099" algn="ctr">
+                      <a:solidFill>
+                        <a:srgbClr val="FFFF00"/>
+                      </a:solidFill>
+                    </a:lnB>
+                  </a:tcPr>
+                </a:tc>
+                <a:tc>
+                  <a:txBody>
+                    <a:bodyPr/>
+                    <a:p>
+                      <a:pPr marL="0" lvl="0" indent="0" algn="l">
+                        <a:spcBef>
+                          <a:spcPts val="0"/>
+                        </a:spcBef>
+                        <a:spcAft>
+                          <a:spcPts val="0"/>
+                        </a:spcAft>
+                        <a:buNone/>
+                        <a:defRPr/>
+                      </a:pPr>
+                      <a:endParaRPr/>
+                    </a:p>
+                  </a:txBody>
+                  <a:tcPr marL="91424" marR="91424" marT="91424" marB="91424">
+                    <a:lnL w="38099" algn="ctr">
+                      <a:solidFill>
+                        <a:srgbClr val="FFFF00"/>
+                      </a:solidFill>
+                    </a:lnL>
+                    <a:lnR w="38099" algn="ctr">
+                      <a:solidFill>
+                        <a:srgbClr val="FFFF00"/>
+                      </a:solidFill>
+                    </a:lnR>
+                    <a:lnT w="38099" algn="ctr">
+                      <a:solidFill>
+                        <a:srgbClr val="FFFF00"/>
+                      </a:solidFill>
+                      <a:bevel/>
+                    </a:lnT>
+                    <a:lnB w="38099" algn="ctr">
+                      <a:solidFill>
+                        <a:srgbClr val="FFFF00"/>
+                      </a:solidFill>
+                    </a:lnB>
+                  </a:tcPr>
+                </a:tc>
+                <a:tc>
+                  <a:txBody>
+                    <a:bodyPr/>
+                    <a:p>
+                      <a:pPr marL="0" lvl="0" indent="0" algn="l">
+                        <a:spcBef>
+                          <a:spcPts val="0"/>
+                        </a:spcBef>
+                        <a:spcAft>
+                          <a:spcPts val="0"/>
+                        </a:spcAft>
+                        <a:buNone/>
+                        <a:defRPr/>
+                      </a:pPr>
+                      <a:endParaRPr/>
+                    </a:p>
+                  </a:txBody>
+                  <a:tcPr marL="91424" marR="91424" marT="91424" marB="91424">
+                    <a:lnL w="38099" algn="ctr">
+                      <a:solidFill>
+                        <a:srgbClr val="FFFF00"/>
+                      </a:solidFill>
+                    </a:lnL>
+                    <a:lnR w="38099" algn="ctr">
+                      <a:solidFill>
+                        <a:srgbClr val="FFFF00"/>
+                      </a:solidFill>
+                      <a:bevel/>
+                    </a:lnR>
+                    <a:lnT w="38099" algn="ctr">
+                      <a:solidFill>
+                        <a:srgbClr val="FFFF00"/>
+                      </a:solidFill>
+                    </a:lnT>
+                    <a:lnB w="38099" algn="ctr">
+                      <a:solidFill>
+                        <a:srgbClr val="FFFF00"/>
+                      </a:solidFill>
+                    </a:lnB>
+                  </a:tcPr>
+                </a:tc>
+                <a:tc>
+                  <a:txBody>
+                    <a:bodyPr/>
+                    <a:p>
+                      <a:pPr marL="0" lvl="0" indent="0" algn="l">
+                        <a:spcBef>
+                          <a:spcPts val="0"/>
+                        </a:spcBef>
+                        <a:spcAft>
+                          <a:spcPts val="0"/>
+                        </a:spcAft>
+                        <a:buNone/>
+                        <a:defRPr/>
+                      </a:pPr>
+                      <a:endParaRPr/>
+                    </a:p>
+                  </a:txBody>
+                  <a:tcPr marL="91424" marR="91424" marT="91424" marB="91424">
+                    <a:lnL w="38099" algn="ctr">
+                      <a:solidFill>
+                        <a:srgbClr val="FFFF00"/>
+                      </a:solidFill>
+                    </a:lnL>
+                    <a:lnR w="38099" algn="ctr">
+                      <a:solidFill>
+                        <a:srgbClr val="FFFF00"/>
+                      </a:solidFill>
+                    </a:lnR>
+                    <a:lnT w="38099" algn="ctr">
+                      <a:solidFill>
+                        <a:srgbClr val="FFFF00"/>
+                      </a:solidFill>
+                      <a:bevel/>
                     </a:lnT>
                     <a:lnB w="38099" algn="ctr">
                       <a:solidFill>
@@ -12545,276 +12560,283 @@
                       <a:solidFill>
                         <a:srgbClr val="FFFF00"/>
                       </a:solidFill>
-                    </a:lnB>
-                  </a:tcPr>
-                </a:tc>
-                <a:tc>
-                  <a:txBody>
-                    <a:bodyPr/>
-                    <a:p>
-                      <a:pPr marL="0" lvl="0" indent="0" algn="l">
-                        <a:spcBef>
-                          <a:spcPts val="0"/>
-                        </a:spcBef>
-                        <a:spcAft>
-                          <a:spcPts val="0"/>
-                        </a:spcAft>
-                        <a:buNone/>
-                        <a:defRPr/>
-                      </a:pPr>
-                      <a:endParaRPr/>
-                    </a:p>
-                  </a:txBody>
-                  <a:tcPr marL="91424" marR="91424" marT="91424" marB="91424">
-                    <a:lnL w="38099" algn="ctr">
-                      <a:solidFill>
-                        <a:srgbClr val="FFFF00"/>
-                      </a:solidFill>
-                    </a:lnL>
-                    <a:lnR w="38099" algn="ctr">
-                      <a:solidFill>
-                        <a:srgbClr val="FFFF00"/>
-                      </a:solidFill>
-                    </a:lnR>
-                    <a:lnT w="38099" algn="ctr">
-                      <a:solidFill>
-                        <a:srgbClr val="FFFF00"/>
-                      </a:solidFill>
-                    </a:lnT>
-                    <a:lnB w="38099" algn="ctr">
-                      <a:solidFill>
-                        <a:srgbClr val="FFFF00"/>
-                      </a:solidFill>
-                    </a:lnB>
-                  </a:tcPr>
-                </a:tc>
-                <a:tc>
-                  <a:txBody>
-                    <a:bodyPr/>
-                    <a:p>
-                      <a:pPr marL="0" lvl="0" indent="0" algn="l">
-                        <a:spcBef>
-                          <a:spcPts val="0"/>
-                        </a:spcBef>
-                        <a:spcAft>
-                          <a:spcPts val="0"/>
-                        </a:spcAft>
-                        <a:buNone/>
-                        <a:defRPr/>
-                      </a:pPr>
-                      <a:endParaRPr/>
-                    </a:p>
-                  </a:txBody>
-                  <a:tcPr marL="91424" marR="91424" marT="91424" marB="91424">
-                    <a:lnL w="38099" algn="ctr">
-                      <a:solidFill>
-                        <a:srgbClr val="FFFF00"/>
-                      </a:solidFill>
-                    </a:lnL>
-                    <a:lnR w="38099" algn="ctr">
-                      <a:solidFill>
-                        <a:srgbClr val="FFFF00"/>
-                      </a:solidFill>
-                    </a:lnR>
-                    <a:lnT w="38099" algn="ctr">
-                      <a:solidFill>
-                        <a:srgbClr val="FFFF00"/>
-                      </a:solidFill>
-                    </a:lnT>
-                    <a:lnB w="38099" algn="ctr">
-                      <a:solidFill>
-                        <a:srgbClr val="FFFF00"/>
-                      </a:solidFill>
-                    </a:lnB>
-                  </a:tcPr>
-                </a:tc>
-                <a:tc>
-                  <a:txBody>
-                    <a:bodyPr/>
-                    <a:p>
-                      <a:pPr marL="0" lvl="0" indent="0" algn="l">
-                        <a:spcBef>
-                          <a:spcPts val="0"/>
-                        </a:spcBef>
-                        <a:spcAft>
-                          <a:spcPts val="0"/>
-                        </a:spcAft>
-                        <a:buNone/>
-                        <a:defRPr/>
-                      </a:pPr>
-                      <a:endParaRPr/>
-                    </a:p>
-                  </a:txBody>
-                  <a:tcPr marL="91424" marR="91424" marT="91424" marB="91424">
-                    <a:lnL w="38099" algn="ctr">
-                      <a:solidFill>
-                        <a:srgbClr val="FFFF00"/>
-                      </a:solidFill>
-                    </a:lnL>
-                    <a:lnR w="38099" algn="ctr">
-                      <a:solidFill>
-                        <a:srgbClr val="FFFF00"/>
-                      </a:solidFill>
-                    </a:lnR>
-                    <a:lnT w="38099" algn="ctr">
-                      <a:solidFill>
-                        <a:srgbClr val="FFFF00"/>
-                      </a:solidFill>
-                    </a:lnT>
-                    <a:lnB w="38099" algn="ctr">
-                      <a:solidFill>
-                        <a:srgbClr val="FFFF00"/>
-                      </a:solidFill>
-                    </a:lnB>
-                  </a:tcPr>
-                </a:tc>
-                <a:tc>
-                  <a:txBody>
-                    <a:bodyPr/>
-                    <a:p>
-                      <a:pPr marL="0" lvl="0" indent="0" algn="l">
-                        <a:spcBef>
-                          <a:spcPts val="0"/>
-                        </a:spcBef>
-                        <a:spcAft>
-                          <a:spcPts val="0"/>
-                        </a:spcAft>
-                        <a:buNone/>
-                        <a:defRPr/>
-                      </a:pPr>
-                      <a:endParaRPr/>
-                    </a:p>
-                  </a:txBody>
-                  <a:tcPr marL="91424" marR="91424" marT="91424" marB="91424">
-                    <a:lnL w="38099" algn="ctr">
-                      <a:solidFill>
-                        <a:srgbClr val="FFFF00"/>
-                      </a:solidFill>
-                    </a:lnL>
-                    <a:lnR w="38099" algn="ctr">
-                      <a:solidFill>
-                        <a:srgbClr val="FFFF00"/>
-                      </a:solidFill>
-                    </a:lnR>
-                    <a:lnT w="38099" algn="ctr">
-                      <a:solidFill>
-                        <a:srgbClr val="FFFF00"/>
-                      </a:solidFill>
-                    </a:lnT>
-                    <a:lnB w="38099" algn="ctr">
-                      <a:solidFill>
-                        <a:srgbClr val="FFFF00"/>
-                      </a:solidFill>
-                    </a:lnB>
-                  </a:tcPr>
-                </a:tc>
-                <a:tc>
-                  <a:txBody>
-                    <a:bodyPr/>
-                    <a:p>
-                      <a:pPr marL="0" lvl="0" indent="0" algn="l">
-                        <a:spcBef>
-                          <a:spcPts val="0"/>
-                        </a:spcBef>
-                        <a:spcAft>
-                          <a:spcPts val="0"/>
-                        </a:spcAft>
-                        <a:buNone/>
-                        <a:defRPr/>
-                      </a:pPr>
-                      <a:endParaRPr/>
-                    </a:p>
-                  </a:txBody>
-                  <a:tcPr marL="91424" marR="91424" marT="91424" marB="91424">
-                    <a:lnL w="38099" algn="ctr">
-                      <a:solidFill>
-                        <a:srgbClr val="FFFF00"/>
-                      </a:solidFill>
-                    </a:lnL>
-                    <a:lnR w="38099" algn="ctr">
-                      <a:solidFill>
-                        <a:srgbClr val="FFFF00"/>
-                      </a:solidFill>
-                    </a:lnR>
-                    <a:lnT w="38099" algn="ctr">
-                      <a:solidFill>
-                        <a:srgbClr val="FFFF00"/>
-                      </a:solidFill>
-                    </a:lnT>
-                    <a:lnB w="38099" algn="ctr">
-                      <a:solidFill>
-                        <a:srgbClr val="FFFF00"/>
-                      </a:solidFill>
-                    </a:lnB>
-                  </a:tcPr>
-                </a:tc>
-                <a:tc>
-                  <a:txBody>
-                    <a:bodyPr/>
-                    <a:p>
-                      <a:pPr marL="0" lvl="0" indent="0" algn="l">
-                        <a:spcBef>
-                          <a:spcPts val="0"/>
-                        </a:spcBef>
-                        <a:spcAft>
-                          <a:spcPts val="0"/>
-                        </a:spcAft>
-                        <a:buNone/>
-                        <a:defRPr/>
-                      </a:pPr>
-                      <a:endParaRPr/>
-                    </a:p>
-                  </a:txBody>
-                  <a:tcPr marL="91424" marR="91424" marT="91424" marB="91424">
-                    <a:lnL w="38099" algn="ctr">
-                      <a:solidFill>
-                        <a:srgbClr val="FFFF00"/>
-                      </a:solidFill>
-                    </a:lnL>
-                    <a:lnR w="38099" algn="ctr">
-                      <a:solidFill>
-                        <a:srgbClr val="FFFF00"/>
-                      </a:solidFill>
-                    </a:lnR>
-                    <a:lnT w="38099" algn="ctr">
-                      <a:solidFill>
-                        <a:srgbClr val="FFFF00"/>
-                      </a:solidFill>
-                    </a:lnT>
-                    <a:lnB w="38099" algn="ctr">
-                      <a:solidFill>
-                        <a:srgbClr val="FFFF00"/>
-                      </a:solidFill>
-                    </a:lnB>
-                  </a:tcPr>
-                </a:tc>
-                <a:tc>
-                  <a:txBody>
-                    <a:bodyPr/>
-                    <a:p>
-                      <a:pPr marL="0" lvl="0" indent="0" algn="l">
-                        <a:spcBef>
-                          <a:spcPts val="0"/>
-                        </a:spcBef>
-                        <a:spcAft>
-                          <a:spcPts val="0"/>
-                        </a:spcAft>
-                        <a:buNone/>
-                        <a:defRPr/>
-                      </a:pPr>
-                      <a:endParaRPr/>
-                    </a:p>
-                  </a:txBody>
-                  <a:tcPr marL="91424" marR="91424" marT="91424" marB="91424">
-                    <a:lnL w="38099" algn="ctr">
-                      <a:solidFill>
-                        <a:srgbClr val="FFFF00"/>
-                      </a:solidFill>
-                    </a:lnL>
-                    <a:lnR w="38099" algn="ctr">
-                      <a:solidFill>
-                        <a:srgbClr val="FFFF00"/>
-                      </a:solidFill>
+                      <a:bevel/>
+                    </a:lnB>
+                  </a:tcPr>
+                </a:tc>
+                <a:tc>
+                  <a:txBody>
+                    <a:bodyPr/>
+                    <a:p>
+                      <a:pPr marL="0" lvl="0" indent="0" algn="l">
+                        <a:spcBef>
+                          <a:spcPts val="0"/>
+                        </a:spcBef>
+                        <a:spcAft>
+                          <a:spcPts val="0"/>
+                        </a:spcAft>
+                        <a:buNone/>
+                        <a:defRPr/>
+                      </a:pPr>
+                      <a:endParaRPr/>
+                    </a:p>
+                  </a:txBody>
+                  <a:tcPr marL="91424" marR="91424" marT="91424" marB="91424">
+                    <a:lnL w="38099" algn="ctr">
+                      <a:solidFill>
+                        <a:srgbClr val="FFFF00"/>
+                      </a:solidFill>
+                      <a:bevel/>
+                    </a:lnL>
+                    <a:lnR w="38099" algn="ctr">
+                      <a:solidFill>
+                        <a:srgbClr val="FFFF00"/>
+                      </a:solidFill>
+                    </a:lnR>
+                    <a:lnT w="38099" algn="ctr">
+                      <a:solidFill>
+                        <a:srgbClr val="FFFF00"/>
+                      </a:solidFill>
+                    </a:lnT>
+                    <a:lnB w="38099" algn="ctr">
+                      <a:solidFill>
+                        <a:srgbClr val="FFFF00"/>
+                      </a:solidFill>
+                    </a:lnB>
+                  </a:tcPr>
+                </a:tc>
+                <a:tc>
+                  <a:txBody>
+                    <a:bodyPr/>
+                    <a:p>
+                      <a:pPr marL="0" lvl="0" indent="0" algn="l">
+                        <a:spcBef>
+                          <a:spcPts val="0"/>
+                        </a:spcBef>
+                        <a:spcAft>
+                          <a:spcPts val="0"/>
+                        </a:spcAft>
+                        <a:buNone/>
+                        <a:defRPr/>
+                      </a:pPr>
+                      <a:endParaRPr/>
+                    </a:p>
+                  </a:txBody>
+                  <a:tcPr marL="91424" marR="91424" marT="91424" marB="91424">
+                    <a:lnL w="38099" algn="ctr">
+                      <a:solidFill>
+                        <a:srgbClr val="FFFF00"/>
+                      </a:solidFill>
+                    </a:lnL>
+                    <a:lnR w="38099" algn="ctr">
+                      <a:solidFill>
+                        <a:srgbClr val="FFFF00"/>
+                      </a:solidFill>
+                    </a:lnR>
+                    <a:lnT w="38099" algn="ctr">
+                      <a:solidFill>
+                        <a:srgbClr val="FFFF00"/>
+                      </a:solidFill>
+                    </a:lnT>
+                    <a:lnB w="38099" algn="ctr">
+                      <a:solidFill>
+                        <a:srgbClr val="FFFF00"/>
+                      </a:solidFill>
+                      <a:bevel/>
+                    </a:lnB>
+                  </a:tcPr>
+                </a:tc>
+                <a:tc>
+                  <a:txBody>
+                    <a:bodyPr/>
+                    <a:p>
+                      <a:pPr marL="0" lvl="0" indent="0" algn="l">
+                        <a:spcBef>
+                          <a:spcPts val="0"/>
+                        </a:spcBef>
+                        <a:spcAft>
+                          <a:spcPts val="0"/>
+                        </a:spcAft>
+                        <a:buNone/>
+                        <a:defRPr/>
+                      </a:pPr>
+                      <a:endParaRPr/>
+                    </a:p>
+                  </a:txBody>
+                  <a:tcPr marL="91424" marR="91424" marT="91424" marB="91424">
+                    <a:lnL w="38099" algn="ctr">
+                      <a:solidFill>
+                        <a:srgbClr val="FFFF00"/>
+                      </a:solidFill>
+                    </a:lnL>
+                    <a:lnR w="38099" algn="ctr">
+                      <a:solidFill>
+                        <a:srgbClr val="FFFF00"/>
+                      </a:solidFill>
+                    </a:lnR>
+                    <a:lnT w="38099" algn="ctr">
+                      <a:solidFill>
+                        <a:srgbClr val="FFFF00"/>
+                      </a:solidFill>
+                      <a:bevel/>
+                    </a:lnT>
+                    <a:lnB w="38099" algn="ctr">
+                      <a:solidFill>
+                        <a:srgbClr val="FFFF00"/>
+                      </a:solidFill>
+                    </a:lnB>
+                  </a:tcPr>
+                </a:tc>
+                <a:tc>
+                  <a:txBody>
+                    <a:bodyPr/>
+                    <a:p>
+                      <a:pPr marL="0" lvl="0" indent="0" algn="l">
+                        <a:spcBef>
+                          <a:spcPts val="0"/>
+                        </a:spcBef>
+                        <a:spcAft>
+                          <a:spcPts val="0"/>
+                        </a:spcAft>
+                        <a:buNone/>
+                        <a:defRPr/>
+                      </a:pPr>
+                      <a:endParaRPr/>
+                    </a:p>
+                  </a:txBody>
+                  <a:tcPr marL="91424" marR="91424" marT="91424" marB="91424">
+                    <a:lnL w="38099" algn="ctr">
+                      <a:solidFill>
+                        <a:srgbClr val="FFFF00"/>
+                      </a:solidFill>
+                    </a:lnL>
+                    <a:lnR w="38099" algn="ctr">
+                      <a:solidFill>
+                        <a:srgbClr val="FFFF00"/>
+                      </a:solidFill>
+                    </a:lnR>
+                    <a:lnT w="38099" algn="ctr">
+                      <a:solidFill>
+                        <a:srgbClr val="FFFF00"/>
+                      </a:solidFill>
+                    </a:lnT>
+                    <a:lnB w="38099" algn="ctr">
+                      <a:solidFill>
+                        <a:srgbClr val="FFFF00"/>
+                      </a:solidFill>
+                      <a:bevel/>
+                    </a:lnB>
+                  </a:tcPr>
+                </a:tc>
+                <a:tc>
+                  <a:txBody>
+                    <a:bodyPr/>
+                    <a:p>
+                      <a:pPr marL="0" lvl="0" indent="0" algn="l">
+                        <a:spcBef>
+                          <a:spcPts val="0"/>
+                        </a:spcBef>
+                        <a:spcAft>
+                          <a:spcPts val="0"/>
+                        </a:spcAft>
+                        <a:buNone/>
+                        <a:defRPr/>
+                      </a:pPr>
+                      <a:endParaRPr/>
+                    </a:p>
+                  </a:txBody>
+                  <a:tcPr marL="91424" marR="91424" marT="91424" marB="91424">
+                    <a:lnL w="38099" algn="ctr">
+                      <a:solidFill>
+                        <a:srgbClr val="FFFF00"/>
+                      </a:solidFill>
+                    </a:lnL>
+                    <a:lnR w="38099" algn="ctr">
+                      <a:solidFill>
+                        <a:srgbClr val="FFFF00"/>
+                      </a:solidFill>
+                    </a:lnR>
+                    <a:lnT w="38099" algn="ctr">
+                      <a:solidFill>
+                        <a:srgbClr val="FFFF00"/>
+                      </a:solidFill>
+                    </a:lnT>
+                    <a:lnB w="38099" algn="ctr">
+                      <a:solidFill>
+                        <a:srgbClr val="FFFF00"/>
+                      </a:solidFill>
+                    </a:lnB>
+                  </a:tcPr>
+                </a:tc>
+                <a:tc>
+                  <a:txBody>
+                    <a:bodyPr/>
+                    <a:p>
+                      <a:pPr marL="0" lvl="0" indent="0" algn="l">
+                        <a:spcBef>
+                          <a:spcPts val="0"/>
+                        </a:spcBef>
+                        <a:spcAft>
+                          <a:spcPts val="0"/>
+                        </a:spcAft>
+                        <a:buNone/>
+                        <a:defRPr/>
+                      </a:pPr>
+                      <a:endParaRPr/>
+                    </a:p>
+                  </a:txBody>
+                  <a:tcPr marL="91424" marR="91424" marT="91424" marB="91424">
+                    <a:lnL w="38099" algn="ctr">
+                      <a:solidFill>
+                        <a:srgbClr val="FFFF00"/>
+                      </a:solidFill>
+                    </a:lnL>
+                    <a:lnR w="38099" algn="ctr">
+                      <a:solidFill>
+                        <a:srgbClr val="FFFF00"/>
+                      </a:solidFill>
+                      <a:bevel/>
+                    </a:lnR>
+                    <a:lnT w="38099" algn="ctr">
+                      <a:solidFill>
+                        <a:srgbClr val="FFFF00"/>
+                      </a:solidFill>
+                    </a:lnT>
+                    <a:lnB w="38099" algn="ctr">
+                      <a:solidFill>
+                        <a:srgbClr val="FFFF00"/>
+                      </a:solidFill>
+                    </a:lnB>
+                  </a:tcPr>
+                </a:tc>
+                <a:tc>
+                  <a:txBody>
+                    <a:bodyPr/>
+                    <a:p>
+                      <a:pPr marL="0" lvl="0" indent="0" algn="l">
+                        <a:spcBef>
+                          <a:spcPts val="0"/>
+                        </a:spcBef>
+                        <a:spcAft>
+                          <a:spcPts val="0"/>
+                        </a:spcAft>
+                        <a:buNone/>
+                        <a:defRPr/>
+                      </a:pPr>
+                      <a:endParaRPr/>
+                    </a:p>
+                  </a:txBody>
+                  <a:tcPr marL="91424" marR="91424" marT="91424" marB="91424">
+                    <a:lnL w="38099" algn="ctr">
+                      <a:solidFill>
+                        <a:srgbClr val="FFFF00"/>
+                      </a:solidFill>
+                    </a:lnL>
+                    <a:lnR w="38099" algn="ctr">
+                      <a:solidFill>
+                        <a:srgbClr val="FFFF00"/>
+                      </a:solidFill>
+                      <a:bevel/>
                     </a:lnR>
                     <a:lnT w="38099" algn="ctr">
                       <a:solidFill>
@@ -12852,286 +12874,298 @@
                       <a:solidFill>
                         <a:srgbClr val="FFFF00"/>
                       </a:solidFill>
-                    </a:lnL>
-                    <a:lnR w="38099" algn="ctr">
-                      <a:solidFill>
-                        <a:srgbClr val="FFFF00"/>
-                      </a:solidFill>
-                    </a:lnR>
-                    <a:lnT w="38099" algn="ctr">
-                      <a:solidFill>
-                        <a:srgbClr val="FFFF00"/>
-                      </a:solidFill>
-                    </a:lnT>
-                    <a:lnB w="38099" algn="ctr">
-                      <a:solidFill>
-                        <a:srgbClr val="FFFF00"/>
-                      </a:solidFill>
-                    </a:lnB>
-                  </a:tcPr>
-                </a:tc>
-                <a:tc>
-                  <a:txBody>
-                    <a:bodyPr/>
-                    <a:p>
-                      <a:pPr marL="0" lvl="0" indent="0" algn="l">
-                        <a:spcBef>
-                          <a:spcPts val="0"/>
-                        </a:spcBef>
-                        <a:spcAft>
-                          <a:spcPts val="0"/>
-                        </a:spcAft>
-                        <a:buNone/>
-                        <a:defRPr/>
-                      </a:pPr>
-                      <a:endParaRPr/>
-                    </a:p>
-                  </a:txBody>
-                  <a:tcPr marL="91424" marR="91424" marT="91424" marB="91424">
-                    <a:lnL w="38099" algn="ctr">
-                      <a:solidFill>
-                        <a:srgbClr val="FFFF00"/>
-                      </a:solidFill>
-                    </a:lnL>
-                    <a:lnR w="38099" algn="ctr">
-                      <a:solidFill>
-                        <a:srgbClr val="FFFF00"/>
-                      </a:solidFill>
-                    </a:lnR>
-                    <a:lnT w="38099" algn="ctr">
-                      <a:solidFill>
-                        <a:srgbClr val="FFFF00"/>
-                      </a:solidFill>
-                    </a:lnT>
-                    <a:lnB w="38099" algn="ctr">
-                      <a:solidFill>
-                        <a:srgbClr val="FFFF00"/>
-                      </a:solidFill>
-                    </a:lnB>
-                  </a:tcPr>
-                </a:tc>
-                <a:tc>
-                  <a:txBody>
-                    <a:bodyPr/>
-                    <a:p>
-                      <a:pPr marL="0" lvl="0" indent="0" algn="l">
-                        <a:spcBef>
-                          <a:spcPts val="0"/>
-                        </a:spcBef>
-                        <a:spcAft>
-                          <a:spcPts val="0"/>
-                        </a:spcAft>
-                        <a:buNone/>
-                        <a:defRPr/>
-                      </a:pPr>
-                      <a:endParaRPr/>
-                    </a:p>
-                  </a:txBody>
-                  <a:tcPr marL="91424" marR="91424" marT="91424" marB="91424">
-                    <a:lnL w="38099" algn="ctr">
-                      <a:solidFill>
-                        <a:srgbClr val="FFFF00"/>
-                      </a:solidFill>
-                    </a:lnL>
-                    <a:lnR w="38099" algn="ctr">
-                      <a:solidFill>
-                        <a:srgbClr val="FFFF00"/>
-                      </a:solidFill>
-                    </a:lnR>
-                    <a:lnT w="38099" algn="ctr">
-                      <a:solidFill>
-                        <a:srgbClr val="FFFF00"/>
-                      </a:solidFill>
-                    </a:lnT>
-                    <a:lnB w="38099" algn="ctr">
-                      <a:solidFill>
-                        <a:srgbClr val="FFFF00"/>
-                      </a:solidFill>
-                    </a:lnB>
-                  </a:tcPr>
-                </a:tc>
-                <a:tc>
-                  <a:txBody>
-                    <a:bodyPr/>
-                    <a:p>
-                      <a:pPr marL="0" lvl="0" indent="0" algn="l">
-                        <a:spcBef>
-                          <a:spcPts val="0"/>
-                        </a:spcBef>
-                        <a:spcAft>
-                          <a:spcPts val="0"/>
-                        </a:spcAft>
-                        <a:buNone/>
-                        <a:defRPr/>
-                      </a:pPr>
-                      <a:endParaRPr/>
-                    </a:p>
-                  </a:txBody>
-                  <a:tcPr marL="91424" marR="91424" marT="91424" marB="91424">
-                    <a:lnL w="38099" algn="ctr">
-                      <a:solidFill>
-                        <a:srgbClr val="FFFF00"/>
-                      </a:solidFill>
-                    </a:lnL>
-                    <a:lnR w="38099" algn="ctr">
-                      <a:solidFill>
-                        <a:srgbClr val="FFFF00"/>
-                      </a:solidFill>
-                    </a:lnR>
-                    <a:lnT w="38099" algn="ctr">
-                      <a:solidFill>
-                        <a:srgbClr val="FFFF00"/>
-                      </a:solidFill>
-                    </a:lnT>
-                    <a:lnB w="38099" algn="ctr">
-                      <a:solidFill>
-                        <a:srgbClr val="FFFF00"/>
-                      </a:solidFill>
-                    </a:lnB>
-                  </a:tcPr>
-                </a:tc>
-                <a:tc>
-                  <a:txBody>
-                    <a:bodyPr/>
-                    <a:p>
-                      <a:pPr marL="0" lvl="0" indent="0" algn="l">
-                        <a:spcBef>
-                          <a:spcPts val="0"/>
-                        </a:spcBef>
-                        <a:spcAft>
-                          <a:spcPts val="0"/>
-                        </a:spcAft>
-                        <a:buNone/>
-                        <a:defRPr/>
-                      </a:pPr>
-                      <a:endParaRPr/>
-                    </a:p>
-                  </a:txBody>
-                  <a:tcPr marL="91424" marR="91424" marT="91424" marB="91424">
-                    <a:lnL w="38099" algn="ctr">
-                      <a:solidFill>
-                        <a:srgbClr val="FFFF00"/>
-                      </a:solidFill>
-                    </a:lnL>
-                    <a:lnR w="38099" algn="ctr">
-                      <a:solidFill>
-                        <a:srgbClr val="FFFF00"/>
-                      </a:solidFill>
-                    </a:lnR>
-                    <a:lnT w="38099" algn="ctr">
-                      <a:solidFill>
-                        <a:srgbClr val="FFFF00"/>
-                      </a:solidFill>
-                    </a:lnT>
-                    <a:lnB w="38099" algn="ctr">
-                      <a:solidFill>
-                        <a:srgbClr val="FFFF00"/>
-                      </a:solidFill>
-                    </a:lnB>
-                  </a:tcPr>
-                </a:tc>
-                <a:tc>
-                  <a:txBody>
-                    <a:bodyPr/>
-                    <a:p>
-                      <a:pPr marL="0" lvl="0" indent="0" algn="l">
-                        <a:spcBef>
-                          <a:spcPts val="0"/>
-                        </a:spcBef>
-                        <a:spcAft>
-                          <a:spcPts val="0"/>
-                        </a:spcAft>
-                        <a:buNone/>
-                        <a:defRPr/>
-                      </a:pPr>
-                      <a:endParaRPr/>
-                    </a:p>
-                  </a:txBody>
-                  <a:tcPr marL="91424" marR="91424" marT="91424" marB="91424">
-                    <a:lnL w="38099" algn="ctr">
-                      <a:solidFill>
-                        <a:srgbClr val="FFFF00"/>
-                      </a:solidFill>
-                    </a:lnL>
-                    <a:lnR w="38099" algn="ctr">
-                      <a:solidFill>
-                        <a:srgbClr val="FFFF00"/>
-                      </a:solidFill>
-                    </a:lnR>
-                    <a:lnT w="38099" algn="ctr">
-                      <a:solidFill>
-                        <a:srgbClr val="FFFF00"/>
-                      </a:solidFill>
-                    </a:lnT>
-                    <a:lnB w="38099" algn="ctr">
-                      <a:solidFill>
-                        <a:srgbClr val="FFFF00"/>
-                      </a:solidFill>
-                    </a:lnB>
-                  </a:tcPr>
-                </a:tc>
-                <a:tc>
-                  <a:txBody>
-                    <a:bodyPr/>
-                    <a:p>
-                      <a:pPr marL="0" lvl="0" indent="0" algn="l">
-                        <a:spcBef>
-                          <a:spcPts val="0"/>
-                        </a:spcBef>
-                        <a:spcAft>
-                          <a:spcPts val="0"/>
-                        </a:spcAft>
-                        <a:buNone/>
-                        <a:defRPr/>
-                      </a:pPr>
-                      <a:endParaRPr/>
-                    </a:p>
-                  </a:txBody>
-                  <a:tcPr marL="91424" marR="91424" marT="91424" marB="91424">
-                    <a:lnL w="38099" algn="ctr">
-                      <a:solidFill>
-                        <a:srgbClr val="FFFF00"/>
-                      </a:solidFill>
-                    </a:lnL>
-                    <a:lnR w="38099" algn="ctr">
-                      <a:solidFill>
-                        <a:srgbClr val="FFFF00"/>
-                      </a:solidFill>
-                    </a:lnR>
-                    <a:lnT w="38099" algn="ctr">
-                      <a:solidFill>
-                        <a:srgbClr val="FFFF00"/>
-                      </a:solidFill>
-                    </a:lnT>
-                    <a:lnB w="38099" algn="ctr">
-                      <a:solidFill>
-                        <a:srgbClr val="FFFF00"/>
-                      </a:solidFill>
-                    </a:lnB>
-                  </a:tcPr>
-                </a:tc>
-                <a:tc>
-                  <a:txBody>
-                    <a:bodyPr/>
-                    <a:p>
-                      <a:pPr marL="0" lvl="0" indent="0" algn="l">
-                        <a:spcBef>
-                          <a:spcPts val="0"/>
-                        </a:spcBef>
-                        <a:spcAft>
-                          <a:spcPts val="0"/>
-                        </a:spcAft>
-                        <a:buNone/>
-                        <a:defRPr/>
-                      </a:pPr>
-                      <a:endParaRPr/>
-                    </a:p>
-                  </a:txBody>
-                  <a:tcPr marL="91424" marR="91424" marT="91424" marB="91424">
-                    <a:lnL w="38099" algn="ctr">
-                      <a:solidFill>
-                        <a:srgbClr val="FFFF00"/>
-                      </a:solidFill>
+                      <a:bevel/>
+                    </a:lnL>
+                    <a:lnR w="38099" algn="ctr">
+                      <a:solidFill>
+                        <a:srgbClr val="FFFF00"/>
+                      </a:solidFill>
+                    </a:lnR>
+                    <a:lnT w="38099" algn="ctr">
+                      <a:solidFill>
+                        <a:srgbClr val="FFFF00"/>
+                      </a:solidFill>
+                      <a:bevel/>
+                    </a:lnT>
+                    <a:lnB w="38099" algn="ctr">
+                      <a:solidFill>
+                        <a:srgbClr val="FFFF00"/>
+                      </a:solidFill>
+                    </a:lnB>
+                  </a:tcPr>
+                </a:tc>
+                <a:tc>
+                  <a:txBody>
+                    <a:bodyPr/>
+                    <a:p>
+                      <a:pPr marL="0" lvl="0" indent="0" algn="l">
+                        <a:spcBef>
+                          <a:spcPts val="0"/>
+                        </a:spcBef>
+                        <a:spcAft>
+                          <a:spcPts val="0"/>
+                        </a:spcAft>
+                        <a:buNone/>
+                        <a:defRPr/>
+                      </a:pPr>
+                      <a:endParaRPr/>
+                    </a:p>
+                  </a:txBody>
+                  <a:tcPr marL="91424" marR="91424" marT="91424" marB="91424">
+                    <a:lnL w="38099" algn="ctr">
+                      <a:solidFill>
+                        <a:srgbClr val="FFFF00"/>
+                      </a:solidFill>
+                      <a:bevel/>
+                    </a:lnL>
+                    <a:lnR w="38099" algn="ctr">
+                      <a:solidFill>
+                        <a:srgbClr val="FFFF00"/>
+                      </a:solidFill>
+                      <a:bevel/>
+                    </a:lnR>
+                    <a:lnT w="38099" algn="ctr">
+                      <a:solidFill>
+                        <a:srgbClr val="FFFF00"/>
+                      </a:solidFill>
+                    </a:lnT>
+                    <a:lnB w="38099" algn="ctr">
+                      <a:solidFill>
+                        <a:srgbClr val="FFFF00"/>
+                      </a:solidFill>
+                    </a:lnB>
+                  </a:tcPr>
+                </a:tc>
+                <a:tc>
+                  <a:txBody>
+                    <a:bodyPr/>
+                    <a:p>
+                      <a:pPr marL="0" lvl="0" indent="0" algn="l">
+                        <a:spcBef>
+                          <a:spcPts val="0"/>
+                        </a:spcBef>
+                        <a:spcAft>
+                          <a:spcPts val="0"/>
+                        </a:spcAft>
+                        <a:buNone/>
+                        <a:defRPr/>
+                      </a:pPr>
+                      <a:endParaRPr/>
+                    </a:p>
+                  </a:txBody>
+                  <a:tcPr marL="91424" marR="91424" marT="91424" marB="91424">
+                    <a:lnL w="38099" algn="ctr">
+                      <a:solidFill>
+                        <a:srgbClr val="FFFF00"/>
+                      </a:solidFill>
+                      <a:bevel/>
+                    </a:lnL>
+                    <a:lnR w="38099" algn="ctr">
+                      <a:solidFill>
+                        <a:srgbClr val="FFFF00"/>
+                      </a:solidFill>
+                    </a:lnR>
+                    <a:lnT w="38099" algn="ctr">
+                      <a:solidFill>
+                        <a:srgbClr val="FFFF00"/>
+                      </a:solidFill>
+                    </a:lnT>
+                    <a:lnB w="38099" algn="ctr">
+                      <a:solidFill>
+                        <a:srgbClr val="FFFF00"/>
+                      </a:solidFill>
+                      <a:bevel/>
+                    </a:lnB>
+                  </a:tcPr>
+                </a:tc>
+                <a:tc>
+                  <a:txBody>
+                    <a:bodyPr/>
+                    <a:p>
+                      <a:pPr marL="0" lvl="0" indent="0" algn="l">
+                        <a:spcBef>
+                          <a:spcPts val="0"/>
+                        </a:spcBef>
+                        <a:spcAft>
+                          <a:spcPts val="0"/>
+                        </a:spcAft>
+                        <a:buNone/>
+                        <a:defRPr/>
+                      </a:pPr>
+                      <a:endParaRPr/>
+                    </a:p>
+                  </a:txBody>
+                  <a:tcPr marL="91424" marR="91424" marT="91424" marB="91424">
+                    <a:lnL w="38099" algn="ctr">
+                      <a:solidFill>
+                        <a:srgbClr val="FFFF00"/>
+                      </a:solidFill>
+                    </a:lnL>
+                    <a:lnR w="38099" algn="ctr">
+                      <a:solidFill>
+                        <a:srgbClr val="FFFF00"/>
+                      </a:solidFill>
+                    </a:lnR>
+                    <a:lnT w="38099" algn="ctr">
+                      <a:solidFill>
+                        <a:srgbClr val="FFFF00"/>
+                      </a:solidFill>
+                      <a:bevel/>
+                    </a:lnT>
+                    <a:lnB w="38099" algn="ctr">
+                      <a:solidFill>
+                        <a:srgbClr val="FFFF00"/>
+                      </a:solidFill>
+                    </a:lnB>
+                  </a:tcPr>
+                </a:tc>
+                <a:tc>
+                  <a:txBody>
+                    <a:bodyPr/>
+                    <a:p>
+                      <a:pPr marL="0" lvl="0" indent="0" algn="l">
+                        <a:spcBef>
+                          <a:spcPts val="0"/>
+                        </a:spcBef>
+                        <a:spcAft>
+                          <a:spcPts val="0"/>
+                        </a:spcAft>
+                        <a:buNone/>
+                        <a:defRPr/>
+                      </a:pPr>
+                      <a:endParaRPr/>
+                    </a:p>
+                  </a:txBody>
+                  <a:tcPr marL="91424" marR="91424" marT="91424" marB="91424">
+                    <a:lnL w="38099" algn="ctr">
+                      <a:solidFill>
+                        <a:srgbClr val="FFFF00"/>
+                      </a:solidFill>
+                      <a:bevel/>
+                    </a:lnL>
+                    <a:lnR w="38099" algn="ctr">
+                      <a:solidFill>
+                        <a:srgbClr val="FFFF00"/>
+                      </a:solidFill>
+                    </a:lnR>
+                    <a:lnT w="38099" algn="ctr">
+                      <a:solidFill>
+                        <a:srgbClr val="FFFF00"/>
+                      </a:solidFill>
+                    </a:lnT>
+                    <a:lnB w="38099" algn="ctr">
+                      <a:solidFill>
+                        <a:srgbClr val="FFFF00"/>
+                      </a:solidFill>
+                      <a:bevel/>
+                    </a:lnB>
+                  </a:tcPr>
+                </a:tc>
+                <a:tc>
+                  <a:txBody>
+                    <a:bodyPr/>
+                    <a:p>
+                      <a:pPr marL="0" lvl="0" indent="0" algn="l">
+                        <a:spcBef>
+                          <a:spcPts val="0"/>
+                        </a:spcBef>
+                        <a:spcAft>
+                          <a:spcPts val="0"/>
+                        </a:spcAft>
+                        <a:buNone/>
+                        <a:defRPr/>
+                      </a:pPr>
+                      <a:endParaRPr/>
+                    </a:p>
+                  </a:txBody>
+                  <a:tcPr marL="91424" marR="91424" marT="91424" marB="91424">
+                    <a:lnL w="38099" algn="ctr">
+                      <a:solidFill>
+                        <a:srgbClr val="FFFF00"/>
+                      </a:solidFill>
+                    </a:lnL>
+                    <a:lnR w="38099" algn="ctr">
+                      <a:solidFill>
+                        <a:srgbClr val="FFFF00"/>
+                      </a:solidFill>
+                    </a:lnR>
+                    <a:lnT w="38099" algn="ctr">
+                      <a:solidFill>
+                        <a:srgbClr val="FFFF00"/>
+                      </a:solidFill>
+                      <a:bevel/>
+                    </a:lnT>
+                    <a:lnB w="38099" algn="ctr">
+                      <a:solidFill>
+                        <a:srgbClr val="FFFF00"/>
+                      </a:solidFill>
+                    </a:lnB>
+                  </a:tcPr>
+                </a:tc>
+                <a:tc>
+                  <a:txBody>
+                    <a:bodyPr/>
+                    <a:p>
+                      <a:pPr marL="0" lvl="0" indent="0" algn="l">
+                        <a:spcBef>
+                          <a:spcPts val="0"/>
+                        </a:spcBef>
+                        <a:spcAft>
+                          <a:spcPts val="0"/>
+                        </a:spcAft>
+                        <a:buNone/>
+                        <a:defRPr/>
+                      </a:pPr>
+                      <a:endParaRPr/>
+                    </a:p>
+                  </a:txBody>
+                  <a:tcPr marL="91424" marR="91424" marT="91424" marB="91424">
+                    <a:lnL w="38099" algn="ctr">
+                      <a:solidFill>
+                        <a:srgbClr val="FFFF00"/>
+                      </a:solidFill>
+                    </a:lnL>
+                    <a:lnR w="38099" algn="ctr">
+                      <a:solidFill>
+                        <a:srgbClr val="FFFF00"/>
+                      </a:solidFill>
+                      <a:bevel/>
+                    </a:lnR>
+                    <a:lnT w="38099" algn="ctr">
+                      <a:solidFill>
+                        <a:srgbClr val="FFFF00"/>
+                      </a:solidFill>
+                    </a:lnT>
+                    <a:lnB w="38099" algn="ctr">
+                      <a:solidFill>
+                        <a:srgbClr val="FFFF00"/>
+                      </a:solidFill>
+                    </a:lnB>
+                  </a:tcPr>
+                </a:tc>
+                <a:tc>
+                  <a:txBody>
+                    <a:bodyPr/>
+                    <a:p>
+                      <a:pPr marL="0" lvl="0" indent="0" algn="l">
+                        <a:spcBef>
+                          <a:spcPts val="0"/>
+                        </a:spcBef>
+                        <a:spcAft>
+                          <a:spcPts val="0"/>
+                        </a:spcAft>
+                        <a:buNone/>
+                        <a:defRPr/>
+                      </a:pPr>
+                      <a:endParaRPr/>
+                    </a:p>
+                  </a:txBody>
+                  <a:tcPr marL="91424" marR="91424" marT="91424" marB="91424">
+                    <a:lnL w="38099" algn="ctr">
+                      <a:solidFill>
+                        <a:srgbClr val="FFFF00"/>
+                      </a:solidFill>
+                      <a:bevel/>
                     </a:lnL>
                     <a:lnR w="38099" algn="ctr">
                       <a:solidFill>
@@ -13179,251 +13213,258 @@
                       <a:solidFill>
                         <a:srgbClr val="FFFF00"/>
                       </a:solidFill>
-                    </a:lnR>
-                    <a:lnT w="38099" algn="ctr">
-                      <a:solidFill>
-                        <a:srgbClr val="FFFF00"/>
-                      </a:solidFill>
-                    </a:lnT>
-                    <a:lnB w="38099" algn="ctr">
-                      <a:solidFill>
-                        <a:srgbClr val="FFFF00"/>
-                      </a:solidFill>
-                    </a:lnB>
-                  </a:tcPr>
-                </a:tc>
-                <a:tc>
-                  <a:txBody>
-                    <a:bodyPr/>
-                    <a:p>
-                      <a:pPr marL="0" lvl="0" indent="0" algn="l">
-                        <a:spcBef>
-                          <a:spcPts val="0"/>
-                        </a:spcBef>
-                        <a:spcAft>
-                          <a:spcPts val="0"/>
-                        </a:spcAft>
-                        <a:buNone/>
-                        <a:defRPr/>
-                      </a:pPr>
-                      <a:endParaRPr/>
-                    </a:p>
-                  </a:txBody>
-                  <a:tcPr marL="91424" marR="91424" marT="91424" marB="91424">
-                    <a:lnL w="38099" algn="ctr">
-                      <a:solidFill>
-                        <a:srgbClr val="FFFF00"/>
-                      </a:solidFill>
-                    </a:lnL>
-                    <a:lnR w="38099" algn="ctr">
-                      <a:solidFill>
-                        <a:srgbClr val="FFFF00"/>
-                      </a:solidFill>
-                    </a:lnR>
-                    <a:lnT w="38099" algn="ctr">
-                      <a:solidFill>
-                        <a:srgbClr val="FFFF00"/>
-                      </a:solidFill>
-                    </a:lnT>
-                    <a:lnB w="38099" algn="ctr">
-                      <a:solidFill>
-                        <a:srgbClr val="FFFF00"/>
-                      </a:solidFill>
-                    </a:lnB>
-                  </a:tcPr>
-                </a:tc>
-                <a:tc>
-                  <a:txBody>
-                    <a:bodyPr/>
-                    <a:p>
-                      <a:pPr marL="0" lvl="0" indent="0" algn="l">
-                        <a:spcBef>
-                          <a:spcPts val="0"/>
-                        </a:spcBef>
-                        <a:spcAft>
-                          <a:spcPts val="0"/>
-                        </a:spcAft>
-                        <a:buNone/>
-                        <a:defRPr/>
-                      </a:pPr>
-                      <a:endParaRPr/>
-                    </a:p>
-                  </a:txBody>
-                  <a:tcPr marL="91424" marR="91424" marT="91424" marB="91424">
-                    <a:lnL w="38099" algn="ctr">
-                      <a:solidFill>
-                        <a:srgbClr val="FFFF00"/>
-                      </a:solidFill>
-                    </a:lnL>
-                    <a:lnR w="38099" algn="ctr">
-                      <a:solidFill>
-                        <a:srgbClr val="FFFF00"/>
-                      </a:solidFill>
-                    </a:lnR>
-                    <a:lnT w="38099" algn="ctr">
-                      <a:solidFill>
-                        <a:srgbClr val="FFFF00"/>
-                      </a:solidFill>
-                    </a:lnT>
-                    <a:lnB w="38099" algn="ctr">
-                      <a:solidFill>
-                        <a:srgbClr val="FFFF00"/>
-                      </a:solidFill>
-                    </a:lnB>
-                  </a:tcPr>
-                </a:tc>
-                <a:tc>
-                  <a:txBody>
-                    <a:bodyPr/>
-                    <a:p>
-                      <a:pPr marL="0" lvl="0" indent="0" algn="l">
-                        <a:spcBef>
-                          <a:spcPts val="0"/>
-                        </a:spcBef>
-                        <a:spcAft>
-                          <a:spcPts val="0"/>
-                        </a:spcAft>
-                        <a:buNone/>
-                        <a:defRPr/>
-                      </a:pPr>
-                      <a:endParaRPr/>
-                    </a:p>
-                  </a:txBody>
-                  <a:tcPr marL="91424" marR="91424" marT="91424" marB="91424">
-                    <a:lnL w="38099" algn="ctr">
-                      <a:solidFill>
-                        <a:srgbClr val="FFFF00"/>
-                      </a:solidFill>
-                    </a:lnL>
-                    <a:lnR w="38099" algn="ctr">
-                      <a:solidFill>
-                        <a:srgbClr val="FFFF00"/>
-                      </a:solidFill>
-                    </a:lnR>
-                    <a:lnT w="38099" algn="ctr">
-                      <a:solidFill>
-                        <a:srgbClr val="FFFF00"/>
-                      </a:solidFill>
-                    </a:lnT>
-                    <a:lnB w="38099" algn="ctr">
-                      <a:solidFill>
-                        <a:srgbClr val="FFFF00"/>
-                      </a:solidFill>
-                    </a:lnB>
-                  </a:tcPr>
-                </a:tc>
-                <a:tc>
-                  <a:txBody>
-                    <a:bodyPr/>
-                    <a:p>
-                      <a:pPr marL="0" lvl="0" indent="0" algn="l">
-                        <a:spcBef>
-                          <a:spcPts val="0"/>
-                        </a:spcBef>
-                        <a:spcAft>
-                          <a:spcPts val="0"/>
-                        </a:spcAft>
-                        <a:buNone/>
-                        <a:defRPr/>
-                      </a:pPr>
-                      <a:endParaRPr/>
-                    </a:p>
-                  </a:txBody>
-                  <a:tcPr marL="91424" marR="91424" marT="91424" marB="91424">
-                    <a:lnL w="38099" algn="ctr">
-                      <a:solidFill>
-                        <a:srgbClr val="FFFF00"/>
-                      </a:solidFill>
-                    </a:lnL>
-                    <a:lnR w="38099" algn="ctr">
-                      <a:solidFill>
-                        <a:srgbClr val="FFFF00"/>
-                      </a:solidFill>
-                    </a:lnR>
-                    <a:lnT w="38099" algn="ctr">
-                      <a:solidFill>
-                        <a:srgbClr val="FFFF00"/>
-                      </a:solidFill>
-                    </a:lnT>
-                    <a:lnB w="38099" algn="ctr">
-                      <a:solidFill>
-                        <a:srgbClr val="FFFF00"/>
-                      </a:solidFill>
-                    </a:lnB>
-                  </a:tcPr>
-                </a:tc>
-                <a:tc>
-                  <a:txBody>
-                    <a:bodyPr/>
-                    <a:p>
-                      <a:pPr marL="0" lvl="0" indent="0" algn="l">
-                        <a:spcBef>
-                          <a:spcPts val="0"/>
-                        </a:spcBef>
-                        <a:spcAft>
-                          <a:spcPts val="0"/>
-                        </a:spcAft>
-                        <a:buNone/>
-                        <a:defRPr/>
-                      </a:pPr>
-                      <a:endParaRPr/>
-                    </a:p>
-                  </a:txBody>
-                  <a:tcPr marL="91424" marR="91424" marT="91424" marB="91424">
-                    <a:lnL w="38099" algn="ctr">
-                      <a:solidFill>
-                        <a:srgbClr val="FFFF00"/>
-                      </a:solidFill>
-                    </a:lnL>
-                    <a:lnR w="38099" algn="ctr">
-                      <a:solidFill>
-                        <a:srgbClr val="FFFF00"/>
-                      </a:solidFill>
-                    </a:lnR>
-                    <a:lnT w="38099" algn="ctr">
-                      <a:solidFill>
-                        <a:srgbClr val="FFFF00"/>
-                      </a:solidFill>
-                    </a:lnT>
-                    <a:lnB w="38099" algn="ctr">
-                      <a:solidFill>
-                        <a:srgbClr val="FFFF00"/>
-                      </a:solidFill>
-                    </a:lnB>
-                  </a:tcPr>
-                </a:tc>
-                <a:tc>
-                  <a:txBody>
-                    <a:bodyPr/>
-                    <a:p>
-                      <a:pPr marL="0" lvl="0" indent="0" algn="l">
-                        <a:spcBef>
-                          <a:spcPts val="0"/>
-                        </a:spcBef>
-                        <a:spcAft>
-                          <a:spcPts val="0"/>
-                        </a:spcAft>
-                        <a:buNone/>
-                        <a:defRPr/>
-                      </a:pPr>
-                      <a:endParaRPr/>
-                    </a:p>
-                  </a:txBody>
-                  <a:tcPr marL="91424" marR="91424" marT="91424" marB="91424">
-                    <a:lnL w="38099" algn="ctr">
-                      <a:solidFill>
-                        <a:srgbClr val="FFFF00"/>
-                      </a:solidFill>
-                    </a:lnL>
-                    <a:lnR w="38099" algn="ctr">
-                      <a:solidFill>
-                        <a:srgbClr val="FFFF00"/>
-                      </a:solidFill>
-                    </a:lnR>
-                    <a:lnT w="38099" algn="ctr">
-                      <a:solidFill>
-                        <a:srgbClr val="FFFF00"/>
-                      </a:solidFill>
+                      <a:bevel/>
+                    </a:lnR>
+                    <a:lnT w="38099" algn="ctr">
+                      <a:solidFill>
+                        <a:srgbClr val="FFFF00"/>
+                      </a:solidFill>
+                    </a:lnT>
+                    <a:lnB w="38099" algn="ctr">
+                      <a:solidFill>
+                        <a:srgbClr val="FFFF00"/>
+                      </a:solidFill>
+                    </a:lnB>
+                  </a:tcPr>
+                </a:tc>
+                <a:tc>
+                  <a:txBody>
+                    <a:bodyPr/>
+                    <a:p>
+                      <a:pPr marL="0" lvl="0" indent="0" algn="l">
+                        <a:spcBef>
+                          <a:spcPts val="0"/>
+                        </a:spcBef>
+                        <a:spcAft>
+                          <a:spcPts val="0"/>
+                        </a:spcAft>
+                        <a:buNone/>
+                        <a:defRPr/>
+                      </a:pPr>
+                      <a:endParaRPr/>
+                    </a:p>
+                  </a:txBody>
+                  <a:tcPr marL="91424" marR="91424" marT="91424" marB="91424">
+                    <a:lnL w="38099" algn="ctr">
+                      <a:solidFill>
+                        <a:srgbClr val="FFFF00"/>
+                      </a:solidFill>
+                      <a:bevel/>
+                    </a:lnL>
+                    <a:lnR w="38099" algn="ctr">
+                      <a:solidFill>
+                        <a:srgbClr val="FFFF00"/>
+                      </a:solidFill>
+                    </a:lnR>
+                    <a:lnT w="38099" algn="ctr">
+                      <a:solidFill>
+                        <a:srgbClr val="FFFF00"/>
+                      </a:solidFill>
+                    </a:lnT>
+                    <a:lnB w="38099" algn="ctr">
+                      <a:solidFill>
+                        <a:srgbClr val="FFFF00"/>
+                      </a:solidFill>
+                    </a:lnB>
+                  </a:tcPr>
+                </a:tc>
+                <a:tc>
+                  <a:txBody>
+                    <a:bodyPr/>
+                    <a:p>
+                      <a:pPr marL="0" lvl="0" indent="0" algn="l">
+                        <a:spcBef>
+                          <a:spcPts val="0"/>
+                        </a:spcBef>
+                        <a:spcAft>
+                          <a:spcPts val="0"/>
+                        </a:spcAft>
+                        <a:buNone/>
+                        <a:defRPr/>
+                      </a:pPr>
+                      <a:endParaRPr/>
+                    </a:p>
+                  </a:txBody>
+                  <a:tcPr marL="91424" marR="91424" marT="91424" marB="91424">
+                    <a:lnL w="38099" algn="ctr">
+                      <a:solidFill>
+                        <a:srgbClr val="FFFF00"/>
+                      </a:solidFill>
+                    </a:lnL>
+                    <a:lnR w="38099" algn="ctr">
+                      <a:solidFill>
+                        <a:srgbClr val="FFFF00"/>
+                      </a:solidFill>
+                    </a:lnR>
+                    <a:lnT w="38099" algn="ctr">
+                      <a:solidFill>
+                        <a:srgbClr val="FFFF00"/>
+                      </a:solidFill>
+                      <a:bevel/>
+                    </a:lnT>
+                    <a:lnB w="38099" algn="ctr">
+                      <a:solidFill>
+                        <a:srgbClr val="FFFF00"/>
+                      </a:solidFill>
+                    </a:lnB>
+                  </a:tcPr>
+                </a:tc>
+                <a:tc>
+                  <a:txBody>
+                    <a:bodyPr/>
+                    <a:p>
+                      <a:pPr marL="0" lvl="0" indent="0" algn="l">
+                        <a:spcBef>
+                          <a:spcPts val="0"/>
+                        </a:spcBef>
+                        <a:spcAft>
+                          <a:spcPts val="0"/>
+                        </a:spcAft>
+                        <a:buNone/>
+                        <a:defRPr/>
+                      </a:pPr>
+                      <a:endParaRPr/>
+                    </a:p>
+                  </a:txBody>
+                  <a:tcPr marL="91424" marR="91424" marT="91424" marB="91424">
+                    <a:lnL w="38099" algn="ctr">
+                      <a:solidFill>
+                        <a:srgbClr val="FFFF00"/>
+                      </a:solidFill>
+                      <a:bevel/>
+                    </a:lnL>
+                    <a:lnR w="38099" algn="ctr">
+                      <a:solidFill>
+                        <a:srgbClr val="FFFF00"/>
+                      </a:solidFill>
+                    </a:lnR>
+                    <a:lnT w="38099" algn="ctr">
+                      <a:solidFill>
+                        <a:srgbClr val="FFFF00"/>
+                      </a:solidFill>
+                    </a:lnT>
+                    <a:lnB w="38099" algn="ctr">
+                      <a:solidFill>
+                        <a:srgbClr val="FFFF00"/>
+                      </a:solidFill>
+                    </a:lnB>
+                  </a:tcPr>
+                </a:tc>
+                <a:tc>
+                  <a:txBody>
+                    <a:bodyPr/>
+                    <a:p>
+                      <a:pPr marL="0" lvl="0" indent="0" algn="l">
+                        <a:spcBef>
+                          <a:spcPts val="0"/>
+                        </a:spcBef>
+                        <a:spcAft>
+                          <a:spcPts val="0"/>
+                        </a:spcAft>
+                        <a:buNone/>
+                        <a:defRPr/>
+                      </a:pPr>
+                      <a:endParaRPr/>
+                    </a:p>
+                  </a:txBody>
+                  <a:tcPr marL="91424" marR="91424" marT="91424" marB="91424">
+                    <a:lnL w="38099" algn="ctr">
+                      <a:solidFill>
+                        <a:srgbClr val="FFFF00"/>
+                      </a:solidFill>
+                    </a:lnL>
+                    <a:lnR w="38099" algn="ctr">
+                      <a:solidFill>
+                        <a:srgbClr val="FFFF00"/>
+                      </a:solidFill>
+                      <a:bevel/>
+                    </a:lnR>
+                    <a:lnT w="38099" algn="ctr">
+                      <a:solidFill>
+                        <a:srgbClr val="FFFF00"/>
+                      </a:solidFill>
+                    </a:lnT>
+                    <a:lnB w="38099" algn="ctr">
+                      <a:solidFill>
+                        <a:srgbClr val="FFFF00"/>
+                      </a:solidFill>
+                    </a:lnB>
+                  </a:tcPr>
+                </a:tc>
+                <a:tc>
+                  <a:txBody>
+                    <a:bodyPr/>
+                    <a:p>
+                      <a:pPr marL="0" lvl="0" indent="0" algn="l">
+                        <a:spcBef>
+                          <a:spcPts val="0"/>
+                        </a:spcBef>
+                        <a:spcAft>
+                          <a:spcPts val="0"/>
+                        </a:spcAft>
+                        <a:buNone/>
+                        <a:defRPr/>
+                      </a:pPr>
+                      <a:endParaRPr/>
+                    </a:p>
+                  </a:txBody>
+                  <a:tcPr marL="91424" marR="91424" marT="91424" marB="91424">
+                    <a:lnL w="38099" algn="ctr">
+                      <a:solidFill>
+                        <a:srgbClr val="FFFF00"/>
+                      </a:solidFill>
+                    </a:lnL>
+                    <a:lnR w="38099" algn="ctr">
+                      <a:solidFill>
+                        <a:srgbClr val="FFFF00"/>
+                      </a:solidFill>
+                    </a:lnR>
+                    <a:lnT w="38099" algn="ctr">
+                      <a:solidFill>
+                        <a:srgbClr val="FFFF00"/>
+                      </a:solidFill>
+                      <a:bevel/>
+                    </a:lnT>
+                    <a:lnB w="38099" algn="ctr">
+                      <a:solidFill>
+                        <a:srgbClr val="FFFF00"/>
+                      </a:solidFill>
+                    </a:lnB>
+                  </a:tcPr>
+                </a:tc>
+                <a:tc>
+                  <a:txBody>
+                    <a:bodyPr/>
+                    <a:p>
+                      <a:pPr marL="0" lvl="0" indent="0" algn="l">
+                        <a:spcBef>
+                          <a:spcPts val="0"/>
+                        </a:spcBef>
+                        <a:spcAft>
+                          <a:spcPts val="0"/>
+                        </a:spcAft>
+                        <a:buNone/>
+                        <a:defRPr/>
+                      </a:pPr>
+                      <a:endParaRPr/>
+                    </a:p>
+                  </a:txBody>
+                  <a:tcPr marL="91424" marR="91424" marT="91424" marB="91424">
+                    <a:lnL w="38099" algn="ctr">
+                      <a:solidFill>
+                        <a:srgbClr val="FFFF00"/>
+                      </a:solidFill>
+                    </a:lnL>
+                    <a:lnR w="38099" algn="ctr">
+                      <a:solidFill>
+                        <a:srgbClr val="FFFF00"/>
+                      </a:solidFill>
+                    </a:lnR>
+                    <a:lnT w="38099" algn="ctr">
+                      <a:solidFill>
+                        <a:srgbClr val="FFFF00"/>
+                      </a:solidFill>
+                      <a:bevel/>
                     </a:lnT>
                     <a:lnB w="38099" algn="ctr">
                       <a:solidFill>
@@ -21030,7 +21071,7 @@
         </p:blipFill>
         <p:spPr bwMode="auto">
           <a:xfrm>
-            <a:off x="464499" y="971182"/>
+            <a:off x="418036" y="971182"/>
             <a:ext cx="11263002" cy="4915631"/>
           </a:xfrm>
           <a:prstGeom prst="rect">
@@ -21220,6 +21261,17 @@
                         <a:buNone/>
                         <a:defRPr/>
                       </a:pPr>
+                      <a:r>
+                        <a:rPr sz="4800">
+                          <a:solidFill>
+                            <a:srgbClr val="FFFFFF"/>
+                          </a:solidFill>
+                          <a:latin typeface="Consolas"/>
+                          <a:ea typeface="Consolas"/>
+                          <a:cs typeface="Consolas"/>
+                        </a:rPr>
+                        <a:t>  </a:t>
+                      </a:r>
                       <a:endParaRPr sz="4800">
                         <a:solidFill>
                           <a:srgbClr val="FFFFFF"/>
@@ -33619,6 +33671,7 @@
                       <a:solidFill>
                         <a:srgbClr val="FFFF00"/>
                       </a:solidFill>
+                      <a:bevel/>
                     </a:lnB>
                   </a:tcPr>
                 </a:tc>
@@ -40454,6 +40507,7 @@
                       <a:solidFill>
                         <a:srgbClr val="FFFF00"/>
                       </a:solidFill>
+                      <a:bevel/>
                     </a:lnR>
                     <a:lnT w="38099" algn="ctr">
                       <a:solidFill>
@@ -40741,6 +40795,7 @@
                       <a:solidFill>
                         <a:srgbClr val="FFFF00"/>
                       </a:solidFill>
+                      <a:bevel/>
                     </a:lnT>
                     <a:lnB w="38099" algn="ctr">
                       <a:solidFill>
